--- a/pygame/hello.pptx
+++ b/pygame/hello.pptx
@@ -6,8 +6,7 @@
   </p:sldMasterIdLst>
   <p:sldIdLst>
     <p:sldId id="256" r:id="rId2"/>
-    <p:sldId id="257" r:id="rId3"/>
-    <p:sldId id="258" r:id="rId4"/>
+    <p:sldId id="258" r:id="rId3"/>
   </p:sldIdLst>
   <p:sldSz cx="12192000" cy="6858000"/>
   <p:notesSz cx="6858000" cy="9144000"/>
@@ -106,6 +105,11 @@
       </a:defRPr>
     </a:lvl9pPr>
   </p:defaultTextStyle>
+  <p:extLst>
+    <p:ext uri="{EFAFB233-063F-42B5-8137-9DF3F51BA10A}">
+      <p15:sldGuideLst xmlns:p15="http://schemas.microsoft.com/office/powerpoint/2012/main"/>
+    </p:ext>
+  </p:extLst>
 </p:presentation>
 </file>
 
@@ -3267,376 +3271,6 @@
           <a:lstStyle/>
           <a:p>
             <a:r>
-              <a:rPr lang="en-GB" dirty="0" err="1" smtClean="0"/>
-              <a:t>PyGame</a:t>
-            </a:r>
-            <a:endParaRPr lang="en-GB" dirty="0"/>
-          </a:p>
-        </p:txBody>
-      </p:sp>
-      <p:sp>
-        <p:nvSpPr>
-          <p:cNvPr id="3" name="Content Placeholder 2"/>
-          <p:cNvSpPr>
-            <a:spLocks noGrp="1"/>
-          </p:cNvSpPr>
-          <p:nvPr>
-            <p:ph idx="1"/>
-          </p:nvPr>
-        </p:nvSpPr>
-        <p:spPr/>
-        <p:txBody>
-          <a:bodyPr>
-            <a:normAutofit fontScale="85000" lnSpcReduction="20000"/>
-          </a:bodyPr>
-          <a:lstStyle/>
-          <a:p>
-            <a:pPr>
-              <a:defRPr/>
-            </a:pPr>
-            <a:r>
-              <a:rPr lang="en-GB" altLang="en-US" dirty="0"/>
-              <a:t>Writing a Game with Python</a:t>
-            </a:r>
-          </a:p>
-          <a:p>
-            <a:pPr>
-              <a:defRPr/>
-            </a:pPr>
-            <a:r>
-              <a:rPr lang="en-GB" altLang="en-US" dirty="0"/>
-              <a:t>Crash Course (1 hour)</a:t>
-            </a:r>
-          </a:p>
-          <a:p>
-            <a:pPr>
-              <a:defRPr/>
-            </a:pPr>
-            <a:r>
-              <a:rPr lang="en-GB" altLang="en-US" dirty="0"/>
-              <a:t>Python &amp; </a:t>
-            </a:r>
-            <a:r>
-              <a:rPr lang="en-GB" altLang="en-US" dirty="0" err="1"/>
-              <a:t>PyGame</a:t>
-            </a:r>
-            <a:endParaRPr lang="en-GB" altLang="en-US" dirty="0"/>
-          </a:p>
-          <a:p>
-            <a:pPr>
-              <a:defRPr/>
-            </a:pPr>
-            <a:endParaRPr lang="en-GB" altLang="en-US" dirty="0"/>
-          </a:p>
-          <a:p>
-            <a:pPr>
-              <a:defRPr/>
-            </a:pPr>
-            <a:r>
-              <a:rPr lang="en-GB" altLang="en-US" dirty="0"/>
-              <a:t>Tutorials</a:t>
-            </a:r>
-          </a:p>
-          <a:p>
-            <a:pPr>
-              <a:defRPr/>
-            </a:pPr>
-            <a:r>
-              <a:rPr lang="en-GB" altLang="en-US" dirty="0">
-                <a:hlinkClick r:id="rId2"/>
-              </a:rPr>
-              <a:t>https://www.pygame.org/docs/</a:t>
-            </a:r>
-            <a:endParaRPr lang="en-GB" altLang="en-US" dirty="0"/>
-          </a:p>
-          <a:p>
-            <a:pPr>
-              <a:defRPr/>
-            </a:pPr>
-            <a:endParaRPr lang="en-GB" altLang="en-US" dirty="0"/>
-          </a:p>
-          <a:p>
-            <a:pPr marL="0" indent="0">
-              <a:buFontTx/>
-              <a:buNone/>
-              <a:defRPr/>
-            </a:pPr>
-            <a:endParaRPr lang="en-GB" altLang="en-US" dirty="0"/>
-          </a:p>
-          <a:p>
-            <a:pPr marL="0" indent="0">
-              <a:buFontTx/>
-              <a:buNone/>
-              <a:defRPr/>
-            </a:pPr>
-            <a:endParaRPr lang="en-GB" altLang="en-US" dirty="0"/>
-          </a:p>
-          <a:p>
-            <a:pPr marL="0" indent="0">
-              <a:buFontTx/>
-              <a:buNone/>
-              <a:defRPr/>
-            </a:pPr>
-            <a:r>
-              <a:rPr lang="en-GB" altLang="en-US" dirty="0"/>
-              <a:t>(Optionally – 4 Minute Crash Course on Python:</a:t>
-            </a:r>
-          </a:p>
-          <a:p>
-            <a:pPr marL="0" indent="0">
-              <a:buFontTx/>
-              <a:buNone/>
-              <a:defRPr/>
-            </a:pPr>
-            <a:r>
-              <a:rPr lang="en-GB" altLang="en-US" dirty="0"/>
-              <a:t>http://www.nerdparadise.com/programming/python4minutes)</a:t>
-            </a:r>
-          </a:p>
-          <a:p>
-            <a:endParaRPr lang="en-GB" dirty="0"/>
-          </a:p>
-        </p:txBody>
-      </p:sp>
-      <p:sp>
-        <p:nvSpPr>
-          <p:cNvPr id="4" name="Content Placeholder 2"/>
-          <p:cNvSpPr txBox="1">
-            <a:spLocks/>
-          </p:cNvSpPr>
-          <p:nvPr/>
-        </p:nvSpPr>
-        <p:spPr>
-          <a:xfrm>
-            <a:off x="2565400" y="1223963"/>
-            <a:ext cx="8686800" cy="4953000"/>
-          </a:xfrm>
-          <a:prstGeom prst="rect">
-            <a:avLst/>
-          </a:prstGeom>
-        </p:spPr>
-        <p:txBody>
-          <a:bodyPr vert="horz" lIns="91440" tIns="45720" rIns="91440" bIns="45720" rtlCol="0">
-            <a:normAutofit/>
-          </a:bodyPr>
-          <a:lstStyle>
-            <a:lvl1pPr marL="228600" indent="-228600" algn="l" defTabSz="914400" rtl="0" eaLnBrk="1" latinLnBrk="0" hangingPunct="1">
-              <a:lnSpc>
-                <a:spcPct val="90000"/>
-              </a:lnSpc>
-              <a:spcBef>
-                <a:spcPts val="1000"/>
-              </a:spcBef>
-              <a:buFont typeface="Arial" panose="020B0604020202020204" pitchFamily="34" charset="0"/>
-              <a:buChar char="•"/>
-              <a:defRPr sz="2800" kern="1200">
-                <a:solidFill>
-                  <a:schemeClr val="tx1"/>
-                </a:solidFill>
-                <a:latin typeface="+mn-lt"/>
-                <a:ea typeface="+mn-ea"/>
-                <a:cs typeface="+mn-cs"/>
-              </a:defRPr>
-            </a:lvl1pPr>
-            <a:lvl2pPr marL="685800" indent="-228600" algn="l" defTabSz="914400" rtl="0" eaLnBrk="1" latinLnBrk="0" hangingPunct="1">
-              <a:lnSpc>
-                <a:spcPct val="90000"/>
-              </a:lnSpc>
-              <a:spcBef>
-                <a:spcPts val="500"/>
-              </a:spcBef>
-              <a:buFont typeface="Arial" panose="020B0604020202020204" pitchFamily="34" charset="0"/>
-              <a:buChar char="•"/>
-              <a:defRPr sz="2400" kern="1200">
-                <a:solidFill>
-                  <a:schemeClr val="tx1"/>
-                </a:solidFill>
-                <a:latin typeface="+mn-lt"/>
-                <a:ea typeface="+mn-ea"/>
-                <a:cs typeface="+mn-cs"/>
-              </a:defRPr>
-            </a:lvl2pPr>
-            <a:lvl3pPr marL="1143000" indent="-228600" algn="l" defTabSz="914400" rtl="0" eaLnBrk="1" latinLnBrk="0" hangingPunct="1">
-              <a:lnSpc>
-                <a:spcPct val="90000"/>
-              </a:lnSpc>
-              <a:spcBef>
-                <a:spcPts val="500"/>
-              </a:spcBef>
-              <a:buFont typeface="Arial" panose="020B0604020202020204" pitchFamily="34" charset="0"/>
-              <a:buChar char="•"/>
-              <a:defRPr sz="2000" kern="1200">
-                <a:solidFill>
-                  <a:schemeClr val="tx1"/>
-                </a:solidFill>
-                <a:latin typeface="+mn-lt"/>
-                <a:ea typeface="+mn-ea"/>
-                <a:cs typeface="+mn-cs"/>
-              </a:defRPr>
-            </a:lvl3pPr>
-            <a:lvl4pPr marL="1600200" indent="-228600" algn="l" defTabSz="914400" rtl="0" eaLnBrk="1" latinLnBrk="0" hangingPunct="1">
-              <a:lnSpc>
-                <a:spcPct val="90000"/>
-              </a:lnSpc>
-              <a:spcBef>
-                <a:spcPts val="500"/>
-              </a:spcBef>
-              <a:buFont typeface="Arial" panose="020B0604020202020204" pitchFamily="34" charset="0"/>
-              <a:buChar char="•"/>
-              <a:defRPr sz="1800" kern="1200">
-                <a:solidFill>
-                  <a:schemeClr val="tx1"/>
-                </a:solidFill>
-                <a:latin typeface="+mn-lt"/>
-                <a:ea typeface="+mn-ea"/>
-                <a:cs typeface="+mn-cs"/>
-              </a:defRPr>
-            </a:lvl4pPr>
-            <a:lvl5pPr marL="2057400" indent="-228600" algn="l" defTabSz="914400" rtl="0" eaLnBrk="1" latinLnBrk="0" hangingPunct="1">
-              <a:lnSpc>
-                <a:spcPct val="90000"/>
-              </a:lnSpc>
-              <a:spcBef>
-                <a:spcPts val="500"/>
-              </a:spcBef>
-              <a:buFont typeface="Arial" panose="020B0604020202020204" pitchFamily="34" charset="0"/>
-              <a:buChar char="•"/>
-              <a:defRPr sz="1800" kern="1200">
-                <a:solidFill>
-                  <a:schemeClr val="tx1"/>
-                </a:solidFill>
-                <a:latin typeface="+mn-lt"/>
-                <a:ea typeface="+mn-ea"/>
-                <a:cs typeface="+mn-cs"/>
-              </a:defRPr>
-            </a:lvl5pPr>
-            <a:lvl6pPr marL="2514600" indent="-228600" algn="l" defTabSz="914400" rtl="0" eaLnBrk="1" latinLnBrk="0" hangingPunct="1">
-              <a:lnSpc>
-                <a:spcPct val="90000"/>
-              </a:lnSpc>
-              <a:spcBef>
-                <a:spcPts val="500"/>
-              </a:spcBef>
-              <a:buFont typeface="Arial" panose="020B0604020202020204" pitchFamily="34" charset="0"/>
-              <a:buChar char="•"/>
-              <a:defRPr sz="1800" kern="1200">
-                <a:solidFill>
-                  <a:schemeClr val="tx1"/>
-                </a:solidFill>
-                <a:latin typeface="+mn-lt"/>
-                <a:ea typeface="+mn-ea"/>
-                <a:cs typeface="+mn-cs"/>
-              </a:defRPr>
-            </a:lvl6pPr>
-            <a:lvl7pPr marL="2971800" indent="-228600" algn="l" defTabSz="914400" rtl="0" eaLnBrk="1" latinLnBrk="0" hangingPunct="1">
-              <a:lnSpc>
-                <a:spcPct val="90000"/>
-              </a:lnSpc>
-              <a:spcBef>
-                <a:spcPts val="500"/>
-              </a:spcBef>
-              <a:buFont typeface="Arial" panose="020B0604020202020204" pitchFamily="34" charset="0"/>
-              <a:buChar char="•"/>
-              <a:defRPr sz="1800" kern="1200">
-                <a:solidFill>
-                  <a:schemeClr val="tx1"/>
-                </a:solidFill>
-                <a:latin typeface="+mn-lt"/>
-                <a:ea typeface="+mn-ea"/>
-                <a:cs typeface="+mn-cs"/>
-              </a:defRPr>
-            </a:lvl7pPr>
-            <a:lvl8pPr marL="3429000" indent="-228600" algn="l" defTabSz="914400" rtl="0" eaLnBrk="1" latinLnBrk="0" hangingPunct="1">
-              <a:lnSpc>
-                <a:spcPct val="90000"/>
-              </a:lnSpc>
-              <a:spcBef>
-                <a:spcPts val="500"/>
-              </a:spcBef>
-              <a:buFont typeface="Arial" panose="020B0604020202020204" pitchFamily="34" charset="0"/>
-              <a:buChar char="•"/>
-              <a:defRPr sz="1800" kern="1200">
-                <a:solidFill>
-                  <a:schemeClr val="tx1"/>
-                </a:solidFill>
-                <a:latin typeface="+mn-lt"/>
-                <a:ea typeface="+mn-ea"/>
-                <a:cs typeface="+mn-cs"/>
-              </a:defRPr>
-            </a:lvl8pPr>
-            <a:lvl9pPr marL="3886200" indent="-228600" algn="l" defTabSz="914400" rtl="0" eaLnBrk="1" latinLnBrk="0" hangingPunct="1">
-              <a:lnSpc>
-                <a:spcPct val="90000"/>
-              </a:lnSpc>
-              <a:spcBef>
-                <a:spcPts val="500"/>
-              </a:spcBef>
-              <a:buFont typeface="Arial" panose="020B0604020202020204" pitchFamily="34" charset="0"/>
-              <a:buChar char="•"/>
-              <a:defRPr sz="1800" kern="1200">
-                <a:solidFill>
-                  <a:schemeClr val="tx1"/>
-                </a:solidFill>
-                <a:latin typeface="+mn-lt"/>
-                <a:ea typeface="+mn-ea"/>
-                <a:cs typeface="+mn-cs"/>
-              </a:defRPr>
-            </a:lvl9pPr>
-          </a:lstStyle>
-          <a:p>
-            <a:pPr>
-              <a:defRPr/>
-            </a:pPr>
-            <a:endParaRPr lang="en-GB" altLang="en-US" sz="1800" dirty="0"/>
-          </a:p>
-        </p:txBody>
-      </p:sp>
-    </p:spTree>
-    <p:extLst>
-      <p:ext uri="{BB962C8B-B14F-4D97-AF65-F5344CB8AC3E}">
-        <p14:creationId xmlns:p14="http://schemas.microsoft.com/office/powerpoint/2010/main" val="1433561187"/>
-      </p:ext>
-    </p:extLst>
-  </p:cSld>
-  <p:clrMapOvr>
-    <a:masterClrMapping/>
-  </p:clrMapOvr>
-</p:sld>
-</file>
-
-<file path=ppt/slides/slide3.xml><?xml version="1.0" encoding="utf-8"?>
-<p:sld xmlns:a="http://schemas.openxmlformats.org/drawingml/2006/main" xmlns:r="http://schemas.openxmlformats.org/officeDocument/2006/relationships" xmlns:p="http://schemas.openxmlformats.org/presentationml/2006/main">
-  <p:cSld>
-    <p:spTree>
-      <p:nvGrpSpPr>
-        <p:cNvPr id="1" name=""/>
-        <p:cNvGrpSpPr/>
-        <p:nvPr/>
-      </p:nvGrpSpPr>
-      <p:grpSpPr>
-        <a:xfrm>
-          <a:off x="0" y="0"/>
-          <a:ext cx="0" cy="0"/>
-          <a:chOff x="0" y="0"/>
-          <a:chExt cx="0" cy="0"/>
-        </a:xfrm>
-      </p:grpSpPr>
-      <p:sp>
-        <p:nvSpPr>
-          <p:cNvPr id="2" name="Title 1"/>
-          <p:cNvSpPr>
-            <a:spLocks noGrp="1"/>
-          </p:cNvSpPr>
-          <p:nvPr>
-            <p:ph type="title"/>
-          </p:nvPr>
-        </p:nvSpPr>
-        <p:spPr/>
-        <p:txBody>
-          <a:bodyPr/>
-          <a:lstStyle/>
-          <a:p>
-            <a:r>
               <a:rPr lang="en-GB" dirty="0" smtClean="0"/>
               <a:t>Games </a:t>
             </a:r>
@@ -3686,8 +3320,24 @@
           <a:p>
             <a:r>
               <a:rPr lang="en-GB" dirty="0" smtClean="0"/>
-              <a:t>Specialist Staff (Industry Experts)</a:t>
-            </a:r>
+              <a:t>Staff </a:t>
+            </a:r>
+            <a:r>
+              <a:rPr lang="en-GB" dirty="0" smtClean="0"/>
+              <a:t>(Industry Experts</a:t>
+            </a:r>
+            <a:r>
+              <a:rPr lang="en-GB" dirty="0" smtClean="0"/>
+              <a:t>)</a:t>
+            </a:r>
+          </a:p>
+          <a:p>
+            <a:r>
+              <a:rPr lang="en-GB" smtClean="0"/>
+              <a:t>Friendly Atmosphere</a:t>
+            </a:r>
+          </a:p>
+          <a:p>
             <a:endParaRPr lang="en-GB" dirty="0"/>
           </a:p>
         </p:txBody>

--- a/pygame/hello.pptx
+++ b/pygame/hello.pptx
@@ -7,6 +7,7 @@
   <p:sldIdLst>
     <p:sldId id="256" r:id="rId2"/>
     <p:sldId id="258" r:id="rId3"/>
+    <p:sldId id="259" r:id="rId4"/>
   </p:sldIdLst>
   <p:sldSz cx="12192000" cy="6858000"/>
   <p:notesSz cx="6858000" cy="9144000"/>
@@ -3320,15 +3321,7 @@
           <a:p>
             <a:r>
               <a:rPr lang="en-GB" dirty="0" smtClean="0"/>
-              <a:t>Staff </a:t>
-            </a:r>
-            <a:r>
-              <a:rPr lang="en-GB" dirty="0" smtClean="0"/>
-              <a:t>(Industry Experts</a:t>
-            </a:r>
-            <a:r>
-              <a:rPr lang="en-GB" dirty="0" smtClean="0"/>
-              <a:t>)</a:t>
+              <a:t>Staff (Industry Experts)</a:t>
             </a:r>
           </a:p>
           <a:p>
@@ -3346,6 +3339,78 @@
     <p:extLst>
       <p:ext uri="{BB962C8B-B14F-4D97-AF65-F5344CB8AC3E}">
         <p14:creationId xmlns:p14="http://schemas.microsoft.com/office/powerpoint/2010/main" val="2680380392"/>
+      </p:ext>
+    </p:extLst>
+  </p:cSld>
+  <p:clrMapOvr>
+    <a:masterClrMapping/>
+  </p:clrMapOvr>
+</p:sld>
+</file>
+
+<file path=ppt/slides/slide3.xml><?xml version="1.0" encoding="utf-8"?>
+<p:sld xmlns:a="http://schemas.openxmlformats.org/drawingml/2006/main" xmlns:r="http://schemas.openxmlformats.org/officeDocument/2006/relationships" xmlns:p="http://schemas.openxmlformats.org/presentationml/2006/main">
+  <p:cSld>
+    <p:spTree>
+      <p:nvGrpSpPr>
+        <p:cNvPr id="1" name=""/>
+        <p:cNvGrpSpPr/>
+        <p:nvPr/>
+      </p:nvGrpSpPr>
+      <p:grpSpPr>
+        <a:xfrm>
+          <a:off x="0" y="0"/>
+          <a:ext cx="0" cy="0"/>
+          <a:chOff x="0" y="0"/>
+          <a:chExt cx="0" cy="0"/>
+        </a:xfrm>
+      </p:grpSpPr>
+      <p:sp>
+        <p:nvSpPr>
+          <p:cNvPr id="2" name="Title 1"/>
+          <p:cNvSpPr>
+            <a:spLocks noGrp="1"/>
+          </p:cNvSpPr>
+          <p:nvPr>
+            <p:ph type="title"/>
+          </p:nvPr>
+        </p:nvSpPr>
+        <p:spPr/>
+        <p:txBody>
+          <a:bodyPr/>
+          <a:lstStyle/>
+          <a:p>
+            <a:r>
+              <a:rPr lang="en-GB" dirty="0" smtClean="0"/>
+              <a:t>Questions/Discussion</a:t>
+            </a:r>
+            <a:endParaRPr lang="en-GB" dirty="0"/>
+          </a:p>
+        </p:txBody>
+      </p:sp>
+      <p:sp>
+        <p:nvSpPr>
+          <p:cNvPr id="3" name="Content Placeholder 2"/>
+          <p:cNvSpPr>
+            <a:spLocks noGrp="1"/>
+          </p:cNvSpPr>
+          <p:nvPr>
+            <p:ph idx="1"/>
+          </p:nvPr>
+        </p:nvSpPr>
+        <p:spPr/>
+        <p:txBody>
+          <a:bodyPr/>
+          <a:lstStyle/>
+          <a:p>
+            <a:endParaRPr lang="en-GB" dirty="0"/>
+          </a:p>
+        </p:txBody>
+      </p:sp>
+    </p:spTree>
+    <p:extLst>
+      <p:ext uri="{BB962C8B-B14F-4D97-AF65-F5344CB8AC3E}">
+        <p14:creationId xmlns:p14="http://schemas.microsoft.com/office/powerpoint/2010/main" val="4049790130"/>
       </p:ext>
     </p:extLst>
   </p:cSld>
